--- a/P01-Entregable/Presentacion1_PreMatricula.pptx
+++ b/P01-Entregable/Presentacion1_PreMatricula.pptx
@@ -106,6 +106,11 @@
       </a:defRPr>
     </a:lvl9pPr>
   </p:defaultTextStyle>
+  <p:extLst>
+    <p:ext uri="{EFAFB233-063F-42B5-8137-9DF3F51BA10A}">
+      <p15:sldGuideLst xmlns:p15="http://schemas.microsoft.com/office/powerpoint/2012/main"/>
+    </p:ext>
+  </p:extLst>
 </p:presentation>
 </file>
 
@@ -3980,10 +3985,10 @@
       </p:grpSpPr>
       <p:pic>
         <p:nvPicPr>
-          <p:cNvPr id="7" name="Imagen 6">
-            <a:extLst>
-              <a:ext uri="{FF2B5EF4-FFF2-40B4-BE49-F238E27FC236}">
-                <a16:creationId xmlns:a16="http://schemas.microsoft.com/office/drawing/2014/main" id="{054ACD59-1945-4FBF-A491-28220531121C}"/>
+          <p:cNvPr id="3" name="Imagen 2">
+            <a:extLst>
+              <a:ext uri="{FF2B5EF4-FFF2-40B4-BE49-F238E27FC236}">
+                <a16:creationId xmlns:a16="http://schemas.microsoft.com/office/drawing/2014/main" id="{9457904F-2B54-4FDC-9DD6-F415EA0A2A31}"/>
               </a:ext>
             </a:extLst>
           </p:cNvPr>
@@ -3994,7 +3999,7 @@
         </p:nvPicPr>
         <p:blipFill rotWithShape="1">
           <a:blip r:embed="rId2"/>
-          <a:srcRect l="25" r="20366" b="-2"/>
+          <a:srcRect r="12730" b="1"/>
           <a:stretch/>
         </p:blipFill>
         <p:spPr>
@@ -4065,7 +4070,7 @@
       </p:pic>
       <p:sp>
         <p:nvSpPr>
-          <p:cNvPr id="12" name="Rectangle 11">
+          <p:cNvPr id="22" name="Rectangle 21">
             <a:extLst>
               <a:ext uri="{FF2B5EF4-FFF2-40B4-BE49-F238E27FC236}">
                 <a16:creationId xmlns:a16="http://schemas.microsoft.com/office/drawing/2014/main" id="{73EDB3DA-AEF0-428A-A317-C42827E6C836}"/>
@@ -4130,7 +4135,7 @@
       </p:sp>
       <p:sp>
         <p:nvSpPr>
-          <p:cNvPr id="17" name="Rectangle 13">
+          <p:cNvPr id="24" name="Rectangle 23">
             <a:extLst>
               <a:ext uri="{FF2B5EF4-FFF2-40B4-BE49-F238E27FC236}">
                 <a16:creationId xmlns:a16="http://schemas.microsoft.com/office/drawing/2014/main" id="{4A06AD8B-0227-4FF6-AEB4-C66C5A5398C1}"/>
@@ -4196,7 +4201,7 @@
       </p:sp>
       <p:sp>
         <p:nvSpPr>
-          <p:cNvPr id="16" name="Rectangle 15">
+          <p:cNvPr id="26" name="Rectangle 25">
             <a:extLst>
               <a:ext uri="{FF2B5EF4-FFF2-40B4-BE49-F238E27FC236}">
                 <a16:creationId xmlns:a16="http://schemas.microsoft.com/office/drawing/2014/main" id="{5DFACEB2-7564-4FB9-B739-C2CE339BA3D2}"/>

--- a/P01-Entregable/Presentacion1_PreMatricula.pptx
+++ b/P01-Entregable/Presentacion1_PreMatricula.pptx
@@ -3869,7 +3869,7 @@
         </p:blipFill>
         <p:spPr>
           <a:xfrm>
-            <a:off x="-209550" y="85725"/>
+            <a:off x="119062" y="85725"/>
             <a:ext cx="11953875" cy="6772275"/>
           </a:xfrm>
           <a:prstGeom prst="rect">
@@ -4004,7 +4004,7 @@
         </p:blipFill>
         <p:spPr>
           <a:xfrm>
-            <a:off x="5162052" y="3272588"/>
+            <a:off x="5001186" y="3192690"/>
             <a:ext cx="6105382" cy="3585411"/>
           </a:xfrm>
           <a:prstGeom prst="rect">
@@ -4033,7 +4033,7 @@
         </p:blipFill>
         <p:spPr>
           <a:xfrm>
-            <a:off x="20" y="9"/>
+            <a:off x="100174" y="0"/>
             <a:ext cx="7279893" cy="3895335"/>
           </a:xfrm>
           <a:custGeom>
@@ -4352,7 +4352,7 @@
         </p:blipFill>
         <p:spPr>
           <a:xfrm>
-            <a:off x="20" y="9"/>
+            <a:off x="178409" y="96285"/>
             <a:ext cx="7279893" cy="3895335"/>
           </a:xfrm>
           <a:custGeom>
